--- a/Documents/CommJ Experiment Introduction.pptx
+++ b/Documents/CommJ Experiment Introduction.pptx
@@ -28594,11 +28594,7 @@
           <a:p>
             <a:r>
               <a:rPr lang="en-US" dirty="0" smtClean="0"/>
-              <a:t>Experiment </a:t>
-            </a:r>
-            <a:r>
-              <a:rPr lang="en-US" dirty="0" smtClean="0"/>
-              <a:t>Process</a:t>
+              <a:t>Experiment Process</a:t>
             </a:r>
             <a:endParaRPr lang="en-US" dirty="0"/>
           </a:p>
@@ -28637,11 +28633,7 @@
           <a:p>
             <a:r>
               <a:rPr lang="en-US" dirty="0" smtClean="0"/>
-              <a:t>Implement Phase 1 </a:t>
-            </a:r>
-            <a:r>
-              <a:rPr lang="en-US" dirty="0" smtClean="0"/>
-              <a:t>extensions and log your thoughts</a:t>
+              <a:t>Implement Phase 1 extensions and log your thoughts</a:t>
             </a:r>
           </a:p>
           <a:p>
@@ -28664,18 +28656,12 @@
               <a:rPr lang="en-US" dirty="0" smtClean="0"/>
               <a:t>Fill a post-implementation questionnaire</a:t>
             </a:r>
-            <a:endParaRPr lang="en-US" dirty="0" smtClean="0"/>
           </a:p>
           <a:p>
             <a:r>
               <a:rPr lang="en-US" dirty="0" smtClean="0"/>
-              <a:t>Implement Phase 2 </a:t>
-            </a:r>
-            <a:r>
-              <a:rPr lang="en-US" dirty="0" smtClean="0"/>
-              <a:t>extensions and log your thoughts</a:t>
-            </a:r>
-            <a:endParaRPr lang="en-US" dirty="0" smtClean="0"/>
+              <a:t>Implement Phase 2 extensions and log your thoughts</a:t>
+            </a:r>
           </a:p>
           <a:p>
             <a:pPr marL="457200" lvl="2">
@@ -28695,6 +28681,13 @@
               <a:rPr lang="en-US" dirty="0" smtClean="0"/>
               <a:t>questionnaires</a:t>
             </a:r>
+          </a:p>
+          <a:p>
+            <a:pPr marL="457200" lvl="2">
+              <a:spcBef>
+                <a:spcPts val="2000"/>
+              </a:spcBef>
+            </a:pPr>
             <a:endParaRPr lang="en-US" dirty="0"/>
           </a:p>
           <a:p>
@@ -29535,11 +29528,7 @@
           <a:p>
             <a:r>
               <a:rPr lang="en-US" i="1" dirty="0" smtClean="0"/>
-              <a:t>AspectJ </a:t>
-            </a:r>
-            <a:r>
-              <a:rPr lang="en-US" i="1" dirty="0" smtClean="0"/>
-              <a:t>Group</a:t>
+              <a:t>AspectJ Group</a:t>
             </a:r>
             <a:endParaRPr lang="en-US" i="1" dirty="0"/>
           </a:p>
